--- a/Presentation Slides/Hasta Spa Vista.pptx
+++ b/Presentation Slides/Hasta Spa Vista.pptx
@@ -6676,15 +6676,15 @@
         </p:nvPicPr>
         <p:blipFill>
           <a:blip r:embed="rId8"/>
-          <a:srcRect l="1254" t="0" r="0" b="0"/>
+          <a:srcRect l="0" t="0" r="0" b="0"/>
           <a:stretch>
             <a:fillRect/>
           </a:stretch>
         </p:blipFill>
         <p:spPr>
           <a:xfrm flipH="false" flipV="false" rot="0">
-            <a:off x="10009102" y="4418831"/>
-            <a:ext cx="2603140" cy="3804910"/>
+            <a:off x="9996642" y="4258823"/>
+            <a:ext cx="2692383" cy="4088699"/>
           </a:xfrm>
           <a:prstGeom prst="rect">
             <a:avLst/>
